--- a/PPT/5. PostgreSQL/RDB.pptx
+++ b/PPT/5. PostgreSQL/RDB.pptx
@@ -4100,12 +4100,74 @@
           </a:p>
         </p:txBody>
       </p:sp>
+      <p:sp>
+        <p:nvSpPr>
+          <p:cNvPr id="7" name="TextBox 6">
+            <a:extLst>
+              <a:ext uri="{FF2B5EF4-FFF2-40B4-BE49-F238E27FC236}">
+                <a16:creationId xmlns:a16="http://schemas.microsoft.com/office/drawing/2014/main" id="{F1CF8B09-22A4-442A-85CF-4E81A3FE6113}"/>
+              </a:ext>
+            </a:extLst>
+          </p:cNvPr>
+          <p:cNvSpPr txBox="1"/>
+          <p:nvPr/>
+        </p:nvSpPr>
+        <p:spPr>
+          <a:xfrm>
+            <a:off x="8573234" y="2642040"/>
+            <a:ext cx="3533340" cy="1938992"/>
+          </a:xfrm>
+          <a:prstGeom prst="rect">
+            <a:avLst/>
+          </a:prstGeom>
+          <a:noFill/>
+        </p:spPr>
+        <p:txBody>
+          <a:bodyPr wrap="none" rtlCol="0">
+            <a:spAutoFit/>
+          </a:bodyPr>
+          <a:lstStyle/>
+          <a:p>
+            <a:r>
+              <a:rPr lang="ko-KR" altLang="en-US" sz="6000">
+                <a:solidFill>
+                  <a:srgbClr val="FF0000"/>
+                </a:solidFill>
+              </a:rPr>
+              <a:t>중복 발생</a:t>
+            </a:r>
+            <a:endParaRPr lang="en-US" altLang="ko-KR" sz="6000">
+              <a:solidFill>
+                <a:srgbClr val="FF0000"/>
+              </a:solidFill>
+            </a:endParaRPr>
+          </a:p>
+          <a:p>
+            <a:r>
+              <a:rPr lang="en-US" altLang="ko-KR" sz="6000">
+                <a:solidFill>
+                  <a:schemeClr val="accent4"/>
+                </a:solidFill>
+              </a:rPr>
+              <a:t>null </a:t>
+            </a:r>
+            <a:r>
+              <a:rPr lang="ko-KR" altLang="en-US" sz="6000">
+                <a:solidFill>
+                  <a:schemeClr val="accent4"/>
+                </a:solidFill>
+              </a:rPr>
+              <a:t>발생</a:t>
+            </a:r>
+          </a:p>
+        </p:txBody>
+      </p:sp>
       <p:pic>
         <p:nvPicPr>
-          <p:cNvPr id="6" name="그림 5">
-            <a:extLst>
-              <a:ext uri="{FF2B5EF4-FFF2-40B4-BE49-F238E27FC236}">
-                <a16:creationId xmlns:a16="http://schemas.microsoft.com/office/drawing/2014/main" id="{947D3BEC-A13B-4182-A56A-A35DCEADB2BF}"/>
+          <p:cNvPr id="3" name="그림 2">
+            <a:extLst>
+              <a:ext uri="{FF2B5EF4-FFF2-40B4-BE49-F238E27FC236}">
+                <a16:creationId xmlns:a16="http://schemas.microsoft.com/office/drawing/2014/main" id="{EEC24140-65B2-462B-9A67-95D724389812}"/>
               </a:ext>
             </a:extLst>
           </p:cNvPr>
@@ -4122,76 +4184,44 @@
         </p:blipFill>
         <p:spPr>
           <a:xfrm>
-            <a:off x="411908" y="1596212"/>
-            <a:ext cx="11144250" cy="1962150"/>
+            <a:off x="9525" y="4590300"/>
+            <a:ext cx="12182475" cy="1952625"/>
           </a:xfrm>
           <a:prstGeom prst="rect">
             <a:avLst/>
           </a:prstGeom>
         </p:spPr>
       </p:pic>
-      <p:sp>
-        <p:nvSpPr>
-          <p:cNvPr id="7" name="TextBox 6">
-            <a:extLst>
-              <a:ext uri="{FF2B5EF4-FFF2-40B4-BE49-F238E27FC236}">
-                <a16:creationId xmlns:a16="http://schemas.microsoft.com/office/drawing/2014/main" id="{F1CF8B09-22A4-442A-85CF-4E81A3FE6113}"/>
-              </a:ext>
-            </a:extLst>
-          </p:cNvPr>
-          <p:cNvSpPr txBox="1"/>
+      <p:pic>
+        <p:nvPicPr>
+          <p:cNvPr id="8" name="그림 7">
+            <a:extLst>
+              <a:ext uri="{FF2B5EF4-FFF2-40B4-BE49-F238E27FC236}">
+                <a16:creationId xmlns:a16="http://schemas.microsoft.com/office/drawing/2014/main" id="{C8F185E0-8B4B-4BF6-95F0-75F49D7BC7BA}"/>
+              </a:ext>
+            </a:extLst>
+          </p:cNvPr>
+          <p:cNvPicPr>
+            <a:picLocks noChangeAspect="1"/>
+          </p:cNvPicPr>
           <p:nvPr/>
-        </p:nvSpPr>
+        </p:nvPicPr>
+        <p:blipFill>
+          <a:blip r:embed="rId3"/>
+          <a:stretch>
+            <a:fillRect/>
+          </a:stretch>
+        </p:blipFill>
         <p:spPr>
           <a:xfrm>
-            <a:off x="8022818" y="4033859"/>
-            <a:ext cx="3533340" cy="1938992"/>
+            <a:off x="400050" y="1314450"/>
+            <a:ext cx="8020829" cy="2977632"/>
           </a:xfrm>
           <a:prstGeom prst="rect">
             <a:avLst/>
           </a:prstGeom>
-          <a:noFill/>
         </p:spPr>
-        <p:txBody>
-          <a:bodyPr wrap="none" rtlCol="0">
-            <a:spAutoFit/>
-          </a:bodyPr>
-          <a:lstStyle/>
-          <a:p>
-            <a:r>
-              <a:rPr lang="ko-KR" altLang="en-US" sz="6000">
-                <a:solidFill>
-                  <a:srgbClr val="FF0000"/>
-                </a:solidFill>
-              </a:rPr>
-              <a:t>중복 발생</a:t>
-            </a:r>
-            <a:endParaRPr lang="en-US" altLang="ko-KR" sz="6000">
-              <a:solidFill>
-                <a:srgbClr val="FF0000"/>
-              </a:solidFill>
-            </a:endParaRPr>
-          </a:p>
-          <a:p>
-            <a:r>
-              <a:rPr lang="en-US" altLang="ko-KR" sz="6000">
-                <a:solidFill>
-                  <a:schemeClr val="accent4"/>
-                </a:solidFill>
-              </a:rPr>
-              <a:t>null </a:t>
-            </a:r>
-            <a:r>
-              <a:rPr lang="ko-KR" altLang="en-US" sz="6000">
-                <a:solidFill>
-                  <a:schemeClr val="accent4"/>
-                </a:solidFill>
-              </a:rPr>
-              <a:t>발생</a:t>
-            </a:r>
-          </a:p>
-        </p:txBody>
-      </p:sp>
+      </p:pic>
     </p:spTree>
     <p:extLst>
       <p:ext uri="{BB962C8B-B14F-4D97-AF65-F5344CB8AC3E}">
@@ -4222,12 +4252,107 @@
           <a:chExt cx="0" cy="0"/>
         </a:xfrm>
       </p:grpSpPr>
+      <p:sp>
+        <p:nvSpPr>
+          <p:cNvPr id="4" name="TextBox 3">
+            <a:extLst>
+              <a:ext uri="{FF2B5EF4-FFF2-40B4-BE49-F238E27FC236}">
+                <a16:creationId xmlns:a16="http://schemas.microsoft.com/office/drawing/2014/main" id="{17EAA2F9-DD9D-45D8-8CA9-CCAD3B315F64}"/>
+              </a:ext>
+            </a:extLst>
+          </p:cNvPr>
+          <p:cNvSpPr txBox="1"/>
+          <p:nvPr/>
+        </p:nvSpPr>
+        <p:spPr>
+          <a:xfrm>
+            <a:off x="3633439" y="4495240"/>
+            <a:ext cx="8558561" cy="1938992"/>
+          </a:xfrm>
+          <a:prstGeom prst="rect">
+            <a:avLst/>
+          </a:prstGeom>
+          <a:noFill/>
+        </p:spPr>
+        <p:txBody>
+          <a:bodyPr wrap="none" rtlCol="0">
+            <a:spAutoFit/>
+          </a:bodyPr>
+          <a:lstStyle/>
+          <a:p>
+            <a:r>
+              <a:rPr lang="en-US" altLang="ko-KR" sz="6000">
+                <a:solidFill>
+                  <a:schemeClr val="accent1">
+                    <a:lumMod val="60000"/>
+                    <a:lumOff val="40000"/>
+                  </a:schemeClr>
+                </a:solidFill>
+              </a:rPr>
+              <a:t>PK: Primary key (</a:t>
+            </a:r>
+            <a:r>
+              <a:rPr lang="ko-KR" altLang="en-US" sz="6000">
+                <a:solidFill>
+                  <a:schemeClr val="accent1">
+                    <a:lumMod val="60000"/>
+                    <a:lumOff val="40000"/>
+                  </a:schemeClr>
+                </a:solidFill>
+              </a:rPr>
+              <a:t>주키</a:t>
+            </a:r>
+            <a:r>
+              <a:rPr lang="en-US" altLang="ko-KR" sz="6000">
+                <a:solidFill>
+                  <a:schemeClr val="accent1">
+                    <a:lumMod val="60000"/>
+                    <a:lumOff val="40000"/>
+                  </a:schemeClr>
+                </a:solidFill>
+              </a:rPr>
+              <a:t>)</a:t>
+            </a:r>
+          </a:p>
+          <a:p>
+            <a:r>
+              <a:rPr lang="en-US" altLang="ko-KR" sz="6000">
+                <a:solidFill>
+                  <a:schemeClr val="accent6"/>
+                </a:solidFill>
+              </a:rPr>
+              <a:t>FK: Foreign key (</a:t>
+            </a:r>
+            <a:r>
+              <a:rPr lang="ko-KR" altLang="en-US" sz="6000">
+                <a:solidFill>
+                  <a:schemeClr val="accent6"/>
+                </a:solidFill>
+              </a:rPr>
+              <a:t>외래키</a:t>
+            </a:r>
+            <a:r>
+              <a:rPr lang="en-US" altLang="ko-KR" sz="6000">
+                <a:solidFill>
+                  <a:schemeClr val="accent6"/>
+                </a:solidFill>
+              </a:rPr>
+              <a:t>)</a:t>
+            </a:r>
+            <a:endParaRPr lang="ko-KR" altLang="en-US" sz="6000">
+              <a:solidFill>
+                <a:schemeClr val="accent6"/>
+              </a:solidFill>
+            </a:endParaRPr>
+          </a:p>
+        </p:txBody>
+      </p:sp>
       <p:pic>
         <p:nvPicPr>
-          <p:cNvPr id="3" name="그림 2">
-            <a:extLst>
-              <a:ext uri="{FF2B5EF4-FFF2-40B4-BE49-F238E27FC236}">
-                <a16:creationId xmlns:a16="http://schemas.microsoft.com/office/drawing/2014/main" id="{0B53C0EC-84C7-4D79-BD85-2A52EE4DAF61}"/>
+          <p:cNvPr id="7" name="그림 6">
+            <a:extLst>
+              <a:ext uri="{FF2B5EF4-FFF2-40B4-BE49-F238E27FC236}">
+                <a16:creationId xmlns:a16="http://schemas.microsoft.com/office/drawing/2014/main" id="{6E760BCD-2899-4F4A-ADC3-3334E1232736}"/>
               </a:ext>
             </a:extLst>
           </p:cNvPr>
@@ -4244,109 +4369,74 @@
         </p:blipFill>
         <p:spPr>
           <a:xfrm>
-            <a:off x="790575" y="240205"/>
-            <a:ext cx="10610850" cy="3838575"/>
+            <a:off x="783584" y="520295"/>
+            <a:ext cx="6524625" cy="1219200"/>
           </a:xfrm>
           <a:prstGeom prst="rect">
             <a:avLst/>
           </a:prstGeom>
         </p:spPr>
       </p:pic>
-      <p:sp>
-        <p:nvSpPr>
-          <p:cNvPr id="4" name="TextBox 3">
-            <a:extLst>
-              <a:ext uri="{FF2B5EF4-FFF2-40B4-BE49-F238E27FC236}">
-                <a16:creationId xmlns:a16="http://schemas.microsoft.com/office/drawing/2014/main" id="{17EAA2F9-DD9D-45D8-8CA9-CCAD3B315F64}"/>
-              </a:ext>
-            </a:extLst>
-          </p:cNvPr>
-          <p:cNvSpPr txBox="1"/>
+      <p:pic>
+        <p:nvPicPr>
+          <p:cNvPr id="10" name="그림 9">
+            <a:extLst>
+              <a:ext uri="{FF2B5EF4-FFF2-40B4-BE49-F238E27FC236}">
+                <a16:creationId xmlns:a16="http://schemas.microsoft.com/office/drawing/2014/main" id="{F9979C8D-4011-4075-A4B6-41080C4C78B9}"/>
+              </a:ext>
+            </a:extLst>
+          </p:cNvPr>
+          <p:cNvPicPr>
+            <a:picLocks noChangeAspect="1"/>
+          </p:cNvPicPr>
           <p:nvPr/>
-        </p:nvSpPr>
+        </p:nvPicPr>
+        <p:blipFill>
+          <a:blip r:embed="rId3"/>
+          <a:stretch>
+            <a:fillRect/>
+          </a:stretch>
+        </p:blipFill>
         <p:spPr>
           <a:xfrm>
-            <a:off x="3633439" y="4495240"/>
-            <a:ext cx="8558561" cy="1938992"/>
+            <a:off x="761994" y="2239022"/>
+            <a:ext cx="2228850" cy="1562100"/>
           </a:xfrm>
           <a:prstGeom prst="rect">
             <a:avLst/>
           </a:prstGeom>
-          <a:noFill/>
         </p:spPr>
-        <p:txBody>
-          <a:bodyPr wrap="none" rtlCol="0">
-            <a:spAutoFit/>
-          </a:bodyPr>
-          <a:lstStyle/>
-          <a:p>
-            <a:r>
-              <a:rPr lang="en-US" altLang="ko-KR" sz="6000">
-                <a:solidFill>
-                  <a:schemeClr val="accent1">
-                    <a:lumMod val="60000"/>
-                    <a:lumOff val="40000"/>
-                  </a:schemeClr>
-                </a:solidFill>
-              </a:rPr>
-              <a:t>PK: Primary key (</a:t>
-            </a:r>
-            <a:r>
-              <a:rPr lang="ko-KR" altLang="en-US" sz="6000">
-                <a:solidFill>
-                  <a:schemeClr val="accent1">
-                    <a:lumMod val="60000"/>
-                    <a:lumOff val="40000"/>
-                  </a:schemeClr>
-                </a:solidFill>
-              </a:rPr>
-              <a:t>주키</a:t>
-            </a:r>
-            <a:r>
-              <a:rPr lang="en-US" altLang="ko-KR" sz="6000">
-                <a:solidFill>
-                  <a:schemeClr val="accent1">
-                    <a:lumMod val="60000"/>
-                    <a:lumOff val="40000"/>
-                  </a:schemeClr>
-                </a:solidFill>
-              </a:rPr>
-              <a:t>)</a:t>
-            </a:r>
-          </a:p>
-          <a:p>
-            <a:r>
-              <a:rPr lang="en-US" altLang="ko-KR" sz="6000">
-                <a:solidFill>
-                  <a:schemeClr val="accent6"/>
-                </a:solidFill>
-              </a:rPr>
-              <a:t>FK: Foreign key (</a:t>
-            </a:r>
-            <a:r>
-              <a:rPr lang="ko-KR" altLang="en-US" sz="6000">
-                <a:solidFill>
-                  <a:schemeClr val="accent6"/>
-                </a:solidFill>
-              </a:rPr>
-              <a:t>외래키</a:t>
-            </a:r>
-            <a:r>
-              <a:rPr lang="en-US" altLang="ko-KR" sz="6000">
-                <a:solidFill>
-                  <a:schemeClr val="accent6"/>
-                </a:solidFill>
-              </a:rPr>
-              <a:t>)</a:t>
-            </a:r>
-            <a:endParaRPr lang="ko-KR" altLang="en-US" sz="6000">
-              <a:solidFill>
-                <a:schemeClr val="accent6"/>
-              </a:solidFill>
-            </a:endParaRPr>
-          </a:p>
-        </p:txBody>
-      </p:sp>
+      </p:pic>
+      <p:pic>
+        <p:nvPicPr>
+          <p:cNvPr id="12" name="그림 11">
+            <a:extLst>
+              <a:ext uri="{FF2B5EF4-FFF2-40B4-BE49-F238E27FC236}">
+                <a16:creationId xmlns:a16="http://schemas.microsoft.com/office/drawing/2014/main" id="{EC4DC705-19AC-4957-8515-9DB697EF7863}"/>
+              </a:ext>
+            </a:extLst>
+          </p:cNvPr>
+          <p:cNvPicPr>
+            <a:picLocks noChangeAspect="1"/>
+          </p:cNvPicPr>
+          <p:nvPr/>
+        </p:nvPicPr>
+        <p:blipFill>
+          <a:blip r:embed="rId4"/>
+          <a:stretch>
+            <a:fillRect/>
+          </a:stretch>
+        </p:blipFill>
+        <p:spPr>
+          <a:xfrm>
+            <a:off x="3932339" y="2005659"/>
+            <a:ext cx="6934200" cy="2028825"/>
+          </a:xfrm>
+          <a:prstGeom prst="rect">
+            <a:avLst/>
+          </a:prstGeom>
+        </p:spPr>
+      </p:pic>
       <p:sp>
         <p:nvSpPr>
           <p:cNvPr id="5" name="타원 4">
@@ -4361,7 +4451,7 @@
         </p:nvSpPr>
         <p:spPr>
           <a:xfrm>
-            <a:off x="1740023" y="941218"/>
+            <a:off x="1420427" y="1092138"/>
             <a:ext cx="319596" cy="301840"/>
           </a:xfrm>
           <a:prstGeom prst="ellipse">
@@ -4413,7 +4503,7 @@
         </p:nvSpPr>
         <p:spPr>
           <a:xfrm>
-            <a:off x="5851864" y="2611515"/>
+            <a:off x="6299734" y="2611515"/>
             <a:ext cx="319596" cy="301840"/>
           </a:xfrm>
           <a:prstGeom prst="ellipse">
@@ -4468,8 +4558,8 @@
         </p:nvCxnSpPr>
         <p:spPr>
           <a:xfrm>
-            <a:off x="2012815" y="1198855"/>
-            <a:ext cx="3839049" cy="1563580"/>
+            <a:off x="1693219" y="1349775"/>
+            <a:ext cx="4606515" cy="1412660"/>
           </a:xfrm>
           <a:prstGeom prst="line">
             <a:avLst/>
